--- a/Docs/TARGET/OPUF OBJ HECTOR.pptx
+++ b/Docs/TARGET/OPUF OBJ HECTOR.pptx
@@ -10,7 +10,8 @@
     <p:sldId id="257" r:id="rId4"/>
     <p:sldId id="260" r:id="rId5"/>
     <p:sldId id="258" r:id="rId6"/>
-    <p:sldId id="259" r:id="rId7"/>
+    <p:sldId id="262" r:id="rId7"/>
+    <p:sldId id="259" r:id="rId8"/>
   </p:sldIdLst>
   <p:sldSz cx="9144000" cy="5143500" type="screen16x9"/>
   <p:notesSz cx="6858000" cy="9144000"/>
@@ -302,7 +303,7 @@
             <a:fld id="{BB56636F-9E64-48A9-A0E8-D6911EA208CE}" type="datetimeFigureOut">
               <a:rPr lang="nb-NO" smtClean="0"/>
               <a:pPr/>
-              <a:t>04.01.2020</a:t>
+              <a:t>05.01.2020</a:t>
             </a:fld>
             <a:endParaRPr lang="nb-NO"/>
           </a:p>
@@ -493,7 +494,7 @@
             <a:fld id="{BB56636F-9E64-48A9-A0E8-D6911EA208CE}" type="datetimeFigureOut">
               <a:rPr lang="nb-NO" smtClean="0"/>
               <a:pPr/>
-              <a:t>04.01.2020</a:t>
+              <a:t>05.01.2020</a:t>
             </a:fld>
             <a:endParaRPr lang="nb-NO"/>
           </a:p>
@@ -694,7 +695,7 @@
             <a:fld id="{BB56636F-9E64-48A9-A0E8-D6911EA208CE}" type="datetimeFigureOut">
               <a:rPr lang="nb-NO" smtClean="0"/>
               <a:pPr/>
-              <a:t>04.01.2020</a:t>
+              <a:t>05.01.2020</a:t>
             </a:fld>
             <a:endParaRPr lang="nb-NO"/>
           </a:p>
@@ -1066,7 +1067,7 @@
             <a:fld id="{BB56636F-9E64-48A9-A0E8-D6911EA208CE}" type="datetimeFigureOut">
               <a:rPr lang="nb-NO" smtClean="0"/>
               <a:pPr/>
-              <a:t>04.01.2020</a:t>
+              <a:t>05.01.2020</a:t>
             </a:fld>
             <a:endParaRPr lang="nb-NO"/>
           </a:p>
@@ -1375,7 +1376,7 @@
             <a:fld id="{BB56636F-9E64-48A9-A0E8-D6911EA208CE}" type="datetimeFigureOut">
               <a:rPr lang="nb-NO" smtClean="0"/>
               <a:pPr/>
-              <a:t>04.01.2020</a:t>
+              <a:t>05.01.2020</a:t>
             </a:fld>
             <a:endParaRPr lang="nb-NO"/>
           </a:p>
@@ -1818,7 +1819,7 @@
             <a:fld id="{BB56636F-9E64-48A9-A0E8-D6911EA208CE}" type="datetimeFigureOut">
               <a:rPr lang="nb-NO" smtClean="0"/>
               <a:pPr/>
-              <a:t>04.01.2020</a:t>
+              <a:t>05.01.2020</a:t>
             </a:fld>
             <a:endParaRPr lang="nb-NO"/>
           </a:p>
@@ -1971,7 +1972,7 @@
             <a:fld id="{BB56636F-9E64-48A9-A0E8-D6911EA208CE}" type="datetimeFigureOut">
               <a:rPr lang="nb-NO" smtClean="0"/>
               <a:pPr/>
-              <a:t>04.01.2020</a:t>
+              <a:t>05.01.2020</a:t>
             </a:fld>
             <a:endParaRPr lang="nb-NO"/>
           </a:p>
@@ -2087,7 +2088,7 @@
             <a:fld id="{BB56636F-9E64-48A9-A0E8-D6911EA208CE}" type="datetimeFigureOut">
               <a:rPr lang="nb-NO" smtClean="0"/>
               <a:pPr/>
-              <a:t>04.01.2020</a:t>
+              <a:t>05.01.2020</a:t>
             </a:fld>
             <a:endParaRPr lang="nb-NO"/>
           </a:p>
@@ -2385,7 +2386,7 @@
             <a:fld id="{BB56636F-9E64-48A9-A0E8-D6911EA208CE}" type="datetimeFigureOut">
               <a:rPr lang="nb-NO" smtClean="0"/>
               <a:pPr/>
-              <a:t>04.01.2020</a:t>
+              <a:t>05.01.2020</a:t>
             </a:fld>
             <a:endParaRPr lang="nb-NO"/>
           </a:p>
@@ -2659,7 +2660,7 @@
             <a:fld id="{BB56636F-9E64-48A9-A0E8-D6911EA208CE}" type="datetimeFigureOut">
               <a:rPr lang="nb-NO" smtClean="0"/>
               <a:pPr/>
-              <a:t>04.01.2020</a:t>
+              <a:t>05.01.2020</a:t>
             </a:fld>
             <a:endParaRPr lang="nb-NO"/>
           </a:p>
@@ -3252,7 +3253,6 @@
               <a:rPr lang="nb-NO" dirty="0" smtClean="0"/>
               <a:t>OBJECTIVE HECTOR</a:t>
             </a:r>
-            <a:endParaRPr lang="nb-NO" dirty="0" smtClean="0"/>
           </a:p>
           <a:p>
             <a:r>
@@ -3787,14 +3787,7 @@
                 <a:latin typeface="Arial" pitchFamily="34" charset="0"/>
                 <a:cs typeface="Arial" pitchFamily="34" charset="0"/>
               </a:rPr>
-              <a:t> </a:t>
-            </a:r>
-            <a:r>
-              <a:rPr lang="nb-NO" dirty="0" smtClean="0">
-                <a:latin typeface="Arial" pitchFamily="34" charset="0"/>
-                <a:cs typeface="Arial" pitchFamily="34" charset="0"/>
-              </a:rPr>
-              <a:t>to a location </a:t>
+              <a:t> to a location </a:t>
             </a:r>
             <a:r>
               <a:rPr lang="nb-NO" dirty="0" err="1" smtClean="0">
@@ -4133,7 +4126,11 @@
             <a:pPr algn="ctr"/>
             <a:r>
               <a:rPr lang="nb-NO" dirty="0" smtClean="0"/>
-              <a:t>DPI 1</a:t>
+              <a:t>DPI </a:t>
+            </a:r>
+            <a:r>
+              <a:rPr lang="nb-NO" dirty="0" smtClean="0"/>
+              <a:t>2</a:t>
             </a:r>
             <a:endParaRPr lang="nb-NO" dirty="0"/>
           </a:p>
@@ -4486,7 +4483,11 @@
             <a:pPr algn="ctr"/>
             <a:r>
               <a:rPr lang="nb-NO" dirty="0" smtClean="0"/>
-              <a:t>DPI 1</a:t>
+              <a:t>DPI </a:t>
+            </a:r>
+            <a:r>
+              <a:rPr lang="nb-NO" dirty="0" smtClean="0"/>
+              <a:t>2</a:t>
             </a:r>
             <a:endParaRPr lang="nb-NO" dirty="0"/>
           </a:p>
@@ -4640,6 +4641,452 @@
 </file>
 
 <file path=ppt/slides/slide6.xml><?xml version="1.0" encoding="utf-8"?>
+<p:sld xmlns:a="http://schemas.openxmlformats.org/drawingml/2006/main" xmlns:r="http://schemas.openxmlformats.org/officeDocument/2006/relationships" xmlns:p="http://schemas.openxmlformats.org/presentationml/2006/main">
+  <p:cSld>
+    <p:spTree>
+      <p:nvGrpSpPr>
+        <p:cNvPr id="1" name=""/>
+        <p:cNvGrpSpPr/>
+        <p:nvPr/>
+      </p:nvGrpSpPr>
+      <p:grpSpPr>
+        <a:xfrm>
+          <a:off x="0" y="0"/>
+          <a:ext cx="0" cy="0"/>
+          <a:chOff x="0" y="0"/>
+          <a:chExt cx="0" cy="0"/>
+        </a:xfrm>
+      </p:grpSpPr>
+      <p:pic>
+        <p:nvPicPr>
+          <p:cNvPr id="1026" name="Picture 2"/>
+          <p:cNvPicPr>
+            <a:picLocks noChangeAspect="1" noChangeArrowheads="1"/>
+          </p:cNvPicPr>
+          <p:nvPr/>
+        </p:nvPicPr>
+        <p:blipFill>
+          <a:blip r:embed="rId2" cstate="print"/>
+          <a:srcRect/>
+          <a:stretch>
+            <a:fillRect/>
+          </a:stretch>
+        </p:blipFill>
+        <p:spPr bwMode="auto">
+          <a:xfrm>
+            <a:off x="1475656" y="657207"/>
+            <a:ext cx="6515969" cy="4320480"/>
+          </a:xfrm>
+          <a:prstGeom prst="rect">
+            <a:avLst/>
+          </a:prstGeom>
+          <a:noFill/>
+          <a:ln w="9525">
+            <a:noFill/>
+            <a:miter lim="800000"/>
+            <a:headEnd/>
+            <a:tailEnd/>
+          </a:ln>
+        </p:spPr>
+      </p:pic>
+      <p:cxnSp>
+        <p:nvCxnSpPr>
+          <p:cNvPr id="4" name="Rett pil 3"/>
+          <p:cNvCxnSpPr>
+            <a:stCxn id="11" idx="0"/>
+            <a:endCxn id="6" idx="2"/>
+          </p:cNvCxnSpPr>
+          <p:nvPr/>
+        </p:nvCxnSpPr>
+        <p:spPr>
+          <a:xfrm flipV="1">
+            <a:off x="3059832" y="2740672"/>
+            <a:ext cx="1024047" cy="1105425"/>
+          </a:xfrm>
+          <a:prstGeom prst="straightConnector1">
+            <a:avLst/>
+          </a:prstGeom>
+          <a:ln w="25400">
+            <a:solidFill>
+              <a:schemeClr val="tx1"/>
+            </a:solidFill>
+            <a:tailEnd type="arrow"/>
+          </a:ln>
+        </p:spPr>
+        <p:style>
+          <a:lnRef idx="1">
+            <a:schemeClr val="accent1"/>
+          </a:lnRef>
+          <a:fillRef idx="0">
+            <a:schemeClr val="accent1"/>
+          </a:fillRef>
+          <a:effectRef idx="0">
+            <a:schemeClr val="accent1"/>
+          </a:effectRef>
+          <a:fontRef idx="minor">
+            <a:schemeClr val="tx1"/>
+          </a:fontRef>
+        </p:style>
+      </p:cxnSp>
+      <p:sp>
+        <p:nvSpPr>
+          <p:cNvPr id="5" name="Stjerne med 5 tagger 4"/>
+          <p:cNvSpPr/>
+          <p:nvPr/>
+        </p:nvSpPr>
+        <p:spPr>
+          <a:xfrm>
+            <a:off x="4259054" y="2637880"/>
+            <a:ext cx="93541" cy="75215"/>
+          </a:xfrm>
+          <a:prstGeom prst="star5">
+            <a:avLst/>
+          </a:prstGeom>
+          <a:solidFill>
+            <a:srgbClr val="FF0000"/>
+          </a:solidFill>
+          <a:ln>
+            <a:noFill/>
+          </a:ln>
+        </p:spPr>
+        <p:style>
+          <a:lnRef idx="2">
+            <a:schemeClr val="accent1">
+              <a:shade val="50000"/>
+            </a:schemeClr>
+          </a:lnRef>
+          <a:fillRef idx="1">
+            <a:schemeClr val="accent1"/>
+          </a:fillRef>
+          <a:effectRef idx="0">
+            <a:schemeClr val="accent1"/>
+          </a:effectRef>
+          <a:fontRef idx="minor">
+            <a:schemeClr val="lt1"/>
+          </a:fontRef>
+        </p:style>
+        <p:txBody>
+          <a:bodyPr rtlCol="0" anchor="ctr"/>
+          <a:lstStyle/>
+          <a:p>
+            <a:pPr algn="ctr"/>
+            <a:endParaRPr lang="nb-NO"/>
+          </a:p>
+        </p:txBody>
+      </p:sp>
+      <p:sp>
+        <p:nvSpPr>
+          <p:cNvPr id="6" name="Stjerne med 5 tagger 5"/>
+          <p:cNvSpPr/>
+          <p:nvPr/>
+        </p:nvSpPr>
+        <p:spPr>
+          <a:xfrm>
+            <a:off x="4066014" y="2665457"/>
+            <a:ext cx="93541" cy="75215"/>
+          </a:xfrm>
+          <a:prstGeom prst="star5">
+            <a:avLst/>
+          </a:prstGeom>
+          <a:solidFill>
+            <a:srgbClr val="FF0000"/>
+          </a:solidFill>
+          <a:ln>
+            <a:noFill/>
+          </a:ln>
+        </p:spPr>
+        <p:style>
+          <a:lnRef idx="2">
+            <a:schemeClr val="accent1">
+              <a:shade val="50000"/>
+            </a:schemeClr>
+          </a:lnRef>
+          <a:fillRef idx="1">
+            <a:schemeClr val="accent1"/>
+          </a:fillRef>
+          <a:effectRef idx="0">
+            <a:schemeClr val="accent1"/>
+          </a:effectRef>
+          <a:fontRef idx="minor">
+            <a:schemeClr val="lt1"/>
+          </a:fontRef>
+        </p:style>
+        <p:txBody>
+          <a:bodyPr rtlCol="0" anchor="ctr"/>
+          <a:lstStyle/>
+          <a:p>
+            <a:pPr algn="ctr"/>
+            <a:endParaRPr lang="nb-NO"/>
+          </a:p>
+        </p:txBody>
+      </p:sp>
+      <p:cxnSp>
+        <p:nvCxnSpPr>
+          <p:cNvPr id="8" name="Rett pil 7"/>
+          <p:cNvCxnSpPr>
+            <a:stCxn id="12" idx="0"/>
+            <a:endCxn id="5" idx="3"/>
+          </p:cNvCxnSpPr>
+          <p:nvPr/>
+        </p:nvCxnSpPr>
+        <p:spPr>
+          <a:xfrm flipH="1" flipV="1">
+            <a:off x="4334730" y="2713095"/>
+            <a:ext cx="597310" cy="916978"/>
+          </a:xfrm>
+          <a:prstGeom prst="straightConnector1">
+            <a:avLst/>
+          </a:prstGeom>
+          <a:ln w="25400">
+            <a:solidFill>
+              <a:schemeClr val="tx1"/>
+            </a:solidFill>
+            <a:tailEnd type="arrow"/>
+          </a:ln>
+        </p:spPr>
+        <p:style>
+          <a:lnRef idx="1">
+            <a:schemeClr val="accent1"/>
+          </a:lnRef>
+          <a:fillRef idx="0">
+            <a:schemeClr val="accent1"/>
+          </a:fillRef>
+          <a:effectRef idx="0">
+            <a:schemeClr val="accent1"/>
+          </a:effectRef>
+          <a:fontRef idx="minor">
+            <a:schemeClr val="tx1"/>
+          </a:fontRef>
+        </p:style>
+      </p:cxnSp>
+      <p:sp>
+        <p:nvSpPr>
+          <p:cNvPr id="11" name="TekstSylinder 10"/>
+          <p:cNvSpPr txBox="1"/>
+          <p:nvPr/>
+        </p:nvSpPr>
+        <p:spPr>
+          <a:xfrm>
+            <a:off x="2699792" y="3846097"/>
+            <a:ext cx="720080" cy="369332"/>
+          </a:xfrm>
+          <a:prstGeom prst="rect">
+            <a:avLst/>
+          </a:prstGeom>
+          <a:solidFill>
+            <a:schemeClr val="bg1">
+              <a:alpha val="50000"/>
+            </a:schemeClr>
+          </a:solidFill>
+          <a:ln>
+            <a:solidFill>
+              <a:schemeClr val="tx1"/>
+            </a:solidFill>
+          </a:ln>
+        </p:spPr>
+        <p:txBody>
+          <a:bodyPr wrap="square" rtlCol="0">
+            <a:spAutoFit/>
+          </a:bodyPr>
+          <a:lstStyle/>
+          <a:p>
+            <a:pPr algn="ctr"/>
+            <a:r>
+              <a:rPr lang="nb-NO" dirty="0" smtClean="0"/>
+              <a:t>DPI 1</a:t>
+            </a:r>
+            <a:endParaRPr lang="nb-NO" dirty="0"/>
+          </a:p>
+        </p:txBody>
+      </p:sp>
+      <p:sp>
+        <p:nvSpPr>
+          <p:cNvPr id="12" name="TekstSylinder 11"/>
+          <p:cNvSpPr txBox="1"/>
+          <p:nvPr/>
+        </p:nvSpPr>
+        <p:spPr>
+          <a:xfrm>
+            <a:off x="4572000" y="3630073"/>
+            <a:ext cx="720080" cy="369332"/>
+          </a:xfrm>
+          <a:prstGeom prst="rect">
+            <a:avLst/>
+          </a:prstGeom>
+          <a:solidFill>
+            <a:schemeClr val="bg1">
+              <a:alpha val="50000"/>
+            </a:schemeClr>
+          </a:solidFill>
+          <a:ln>
+            <a:solidFill>
+              <a:schemeClr val="tx1"/>
+            </a:solidFill>
+          </a:ln>
+        </p:spPr>
+        <p:txBody>
+          <a:bodyPr wrap="square" rtlCol="0">
+            <a:spAutoFit/>
+          </a:bodyPr>
+          <a:lstStyle/>
+          <a:p>
+            <a:pPr algn="ctr"/>
+            <a:r>
+              <a:rPr lang="nb-NO" dirty="0" smtClean="0"/>
+              <a:t>DPI </a:t>
+            </a:r>
+            <a:r>
+              <a:rPr lang="nb-NO" dirty="0" smtClean="0"/>
+              <a:t>2</a:t>
+            </a:r>
+            <a:endParaRPr lang="nb-NO" dirty="0"/>
+          </a:p>
+        </p:txBody>
+      </p:sp>
+      <p:cxnSp>
+        <p:nvCxnSpPr>
+          <p:cNvPr id="15" name="Rett pil 14"/>
+          <p:cNvCxnSpPr/>
+          <p:nvPr/>
+        </p:nvCxnSpPr>
+        <p:spPr>
+          <a:xfrm flipV="1">
+            <a:off x="2339752" y="2787774"/>
+            <a:ext cx="1512168" cy="360040"/>
+          </a:xfrm>
+          <a:prstGeom prst="straightConnector1">
+            <a:avLst/>
+          </a:prstGeom>
+          <a:ln w="25400">
+            <a:solidFill>
+              <a:schemeClr val="tx1"/>
+            </a:solidFill>
+            <a:prstDash val="lgDash"/>
+            <a:headEnd type="arrow"/>
+            <a:tailEnd type="arrow"/>
+          </a:ln>
+        </p:spPr>
+        <p:style>
+          <a:lnRef idx="1">
+            <a:schemeClr val="accent1"/>
+          </a:lnRef>
+          <a:fillRef idx="0">
+            <a:schemeClr val="accent1"/>
+          </a:fillRef>
+          <a:effectRef idx="0">
+            <a:schemeClr val="accent1"/>
+          </a:effectRef>
+          <a:fontRef idx="minor">
+            <a:schemeClr val="tx1"/>
+          </a:fontRef>
+        </p:style>
+      </p:cxnSp>
+      <p:sp>
+        <p:nvSpPr>
+          <p:cNvPr id="21" name="Pil høyre 20"/>
+          <p:cNvSpPr/>
+          <p:nvPr/>
+        </p:nvSpPr>
+        <p:spPr>
+          <a:xfrm rot="17428824">
+            <a:off x="7210370" y="787885"/>
+            <a:ext cx="792088" cy="648072"/>
+          </a:xfrm>
+          <a:prstGeom prst="rightArrow">
+            <a:avLst/>
+          </a:prstGeom>
+          <a:solidFill>
+            <a:schemeClr val="tx1"/>
+          </a:solidFill>
+          <a:ln>
+            <a:noFill/>
+          </a:ln>
+        </p:spPr>
+        <p:style>
+          <a:lnRef idx="2">
+            <a:schemeClr val="accent1">
+              <a:shade val="50000"/>
+            </a:schemeClr>
+          </a:lnRef>
+          <a:fillRef idx="1">
+            <a:schemeClr val="accent1"/>
+          </a:fillRef>
+          <a:effectRef idx="0">
+            <a:schemeClr val="accent1"/>
+          </a:effectRef>
+          <a:fontRef idx="minor">
+            <a:schemeClr val="lt1"/>
+          </a:fontRef>
+        </p:style>
+        <p:txBody>
+          <a:bodyPr vert="vert" rtlCol="0" anchor="ctr"/>
+          <a:lstStyle/>
+          <a:p>
+            <a:pPr algn="ctr"/>
+            <a:r>
+              <a:rPr lang="nb-NO" dirty="0" smtClean="0"/>
+              <a:t>N</a:t>
+            </a:r>
+            <a:endParaRPr lang="nb-NO" dirty="0"/>
+          </a:p>
+        </p:txBody>
+      </p:sp>
+      <p:sp>
+        <p:nvSpPr>
+          <p:cNvPr id="18" name="TekstSylinder 17"/>
+          <p:cNvSpPr txBox="1"/>
+          <p:nvPr/>
+        </p:nvSpPr>
+        <p:spPr>
+          <a:xfrm>
+            <a:off x="1691680" y="3003798"/>
+            <a:ext cx="504056" cy="369332"/>
+          </a:xfrm>
+          <a:prstGeom prst="rect">
+            <a:avLst/>
+          </a:prstGeom>
+          <a:solidFill>
+            <a:schemeClr val="bg1">
+              <a:alpha val="50000"/>
+            </a:schemeClr>
+          </a:solidFill>
+          <a:ln>
+            <a:solidFill>
+              <a:schemeClr val="tx1"/>
+            </a:solidFill>
+          </a:ln>
+        </p:spPr>
+        <p:txBody>
+          <a:bodyPr wrap="square" rtlCol="0">
+            <a:spAutoFit/>
+          </a:bodyPr>
+          <a:lstStyle/>
+          <a:p>
+            <a:pPr algn="ctr"/>
+            <a:r>
+              <a:rPr lang="nb-NO" dirty="0" smtClean="0"/>
+              <a:t>IP</a:t>
+            </a:r>
+            <a:endParaRPr lang="nb-NO" dirty="0"/>
+          </a:p>
+        </p:txBody>
+      </p:sp>
+    </p:spTree>
+  </p:cSld>
+  <p:clrMapOvr>
+    <a:masterClrMapping/>
+  </p:clrMapOvr>
+  <p:timing>
+    <p:tnLst>
+      <p:par>
+        <p:cTn id="1" dur="indefinite" restart="never" nodeType="tmRoot"/>
+      </p:par>
+    </p:tnLst>
+  </p:timing>
+</p:sld>
+</file>
+
+<file path=ppt/slides/slide7.xml><?xml version="1.0" encoding="utf-8"?>
 <p:sld xmlns:a="http://schemas.openxmlformats.org/drawingml/2006/main" xmlns:r="http://schemas.openxmlformats.org/officeDocument/2006/relationships" xmlns:p="http://schemas.openxmlformats.org/presentationml/2006/main">
   <p:cSld>
     <p:spTree>
